--- a/resources/CSemVer.pptx
+++ b/resources/CSemVer.pptx
@@ -7,6 +7,7 @@
   <p:sldIdLst>
     <p:sldId id="256" r:id="rId2"/>
     <p:sldId id="257" r:id="rId3"/>
+    <p:sldId id="258" r:id="rId4"/>
   </p:sldIdLst>
   <p:sldSz cx="15297150" cy="8604250"/>
   <p:notesSz cx="6858000" cy="9144000"/>
@@ -105,6 +106,11 @@
       </a:defRPr>
     </a:lvl9pPr>
   </p:defaultTextStyle>
+  <p:extLst>
+    <p:ext uri="{EFAFB233-063F-42B5-8137-9DF3F51BA10A}">
+      <p15:sldGuideLst xmlns:p15="http://schemas.microsoft.com/office/powerpoint/2012/main"/>
+    </p:ext>
+  </p:extLst>
 </p:presentation>
 </file>
 
@@ -147,7 +153,7 @@
           <a:p>
             <a:fld id="{88D59E83-1B98-4B9B-ABB6-3CD202FDA647}" type="datetimeFigureOut">
               <a:rPr lang="fr-FR" smtClean="0"/>
-              <a:t>02/03/2016</a:t>
+              <a:t>16/10/2018</a:t>
             </a:fld>
             <a:endParaRPr lang="fr-FR"/>
           </a:p>
@@ -461,7 +467,7 @@
           <a:p>
             <a:fld id="{88D59E83-1B98-4B9B-ABB6-3CD202FDA647}" type="datetimeFigureOut">
               <a:rPr lang="fr-FR" smtClean="0"/>
-              <a:t>02/03/2016</a:t>
+              <a:t>16/10/2018</a:t>
             </a:fld>
             <a:endParaRPr lang="fr-FR"/>
           </a:p>
@@ -793,7 +799,7 @@
           <a:p>
             <a:fld id="{88D59E83-1B98-4B9B-ABB6-3CD202FDA647}" type="datetimeFigureOut">
               <a:rPr lang="fr-FR" smtClean="0"/>
-              <a:t>02/03/2016</a:t>
+              <a:t>16/10/2018</a:t>
             </a:fld>
             <a:endParaRPr lang="fr-FR"/>
           </a:p>
@@ -1307,7 +1313,7 @@
           <a:p>
             <a:fld id="{88D59E83-1B98-4B9B-ABB6-3CD202FDA647}" type="datetimeFigureOut">
               <a:rPr lang="fr-FR" smtClean="0"/>
-              <a:t>02/03/2016</a:t>
+              <a:t>16/10/2018</a:t>
             </a:fld>
             <a:endParaRPr lang="fr-FR"/>
           </a:p>
@@ -1518,7 +1524,7 @@
           <a:p>
             <a:fld id="{88D59E83-1B98-4B9B-ABB6-3CD202FDA647}" type="datetimeFigureOut">
               <a:rPr lang="fr-FR" smtClean="0"/>
-              <a:t>02/03/2016</a:t>
+              <a:t>16/10/2018</a:t>
             </a:fld>
             <a:endParaRPr lang="fr-FR"/>
           </a:p>
@@ -2301,7 +2307,7 @@
           <a:p>
             <a:r>
               <a:rPr lang="fr-FR" sz="2400" b="1" noProof="1"/>
-              <a:t>CSemVer</a:t>
+              <a:t>CSemVer (Long form)</a:t>
             </a:r>
           </a:p>
         </p:txBody>
@@ -2402,7 +2408,7 @@
           <a:p>
             <a:r>
               <a:rPr lang="fr-FR" sz="2400" i="1" noProof="1"/>
-              <a:t>Official Release</a:t>
+              <a:t>Stable Release</a:t>
             </a:r>
           </a:p>
         </p:txBody>
@@ -4090,7 +4096,7 @@
                   <a:schemeClr val="tx1"/>
                 </a:solidFill>
               </a:rPr>
-              <a:t>5.4.2--ci-develop.15</a:t>
+              <a:t>5.4.2--ci.15.develop</a:t>
             </a:r>
           </a:p>
         </p:txBody>
@@ -4149,7 +4155,7 @@
                   <a:schemeClr val="tx1"/>
                 </a:solidFill>
               </a:rPr>
-              <a:t>1.0.0-alpha.0.0.ci-develop.3</a:t>
+              <a:t>1.0.0-alpha.0.0.ci.3.develop</a:t>
             </a:r>
           </a:p>
         </p:txBody>
@@ -4258,7 +4264,7 @@
                   <a:schemeClr val="tx1"/>
                 </a:solidFill>
               </a:rPr>
-              <a:t>0.0.0--explore.175</a:t>
+              <a:t>0.0.0--ci.175.explore</a:t>
             </a:r>
           </a:p>
         </p:txBody>
@@ -4317,7 +4323,7 @@
                   <a:schemeClr val="tx1"/>
                 </a:solidFill>
               </a:rPr>
-              <a:t>0.0.0--ci-alpha.00185fx+v2.0.0</a:t>
+              <a:t>0.0.0--ci.00185fx.alpha+v2.0.0</a:t>
             </a:r>
           </a:p>
         </p:txBody>
@@ -4326,6 +4332,2372 @@
     <p:extLst>
       <p:ext uri="{BB962C8B-B14F-4D97-AF65-F5344CB8AC3E}">
         <p14:creationId xmlns:p14="http://schemas.microsoft.com/office/powerpoint/2010/main" val="3037352975"/>
+      </p:ext>
+    </p:extLst>
+  </p:cSld>
+  <p:clrMapOvr>
+    <a:masterClrMapping/>
+  </p:clrMapOvr>
+</p:sld>
+</file>
+
+<file path=ppt/slides/slide3.xml><?xml version="1.0" encoding="utf-8"?>
+<p:sld xmlns:a="http://schemas.openxmlformats.org/drawingml/2006/main" xmlns:r="http://schemas.openxmlformats.org/officeDocument/2006/relationships" xmlns:p="http://schemas.openxmlformats.org/presentationml/2006/main">
+  <p:cSld>
+    <p:spTree>
+      <p:nvGrpSpPr>
+        <p:cNvPr id="1" name=""/>
+        <p:cNvGrpSpPr/>
+        <p:nvPr/>
+      </p:nvGrpSpPr>
+      <p:grpSpPr>
+        <a:xfrm>
+          <a:off x="0" y="0"/>
+          <a:ext cx="0" cy="0"/>
+          <a:chOff x="0" y="0"/>
+          <a:chExt cx="0" cy="0"/>
+        </a:xfrm>
+      </p:grpSpPr>
+      <p:sp>
+        <p:nvSpPr>
+          <p:cNvPr id="4" name="Rectangle 3"/>
+          <p:cNvSpPr/>
+          <p:nvPr/>
+        </p:nvSpPr>
+        <p:spPr>
+          <a:xfrm>
+            <a:off x="1155700" y="224903"/>
+            <a:ext cx="12847716" cy="8264012"/>
+          </a:xfrm>
+          <a:prstGeom prst="rect">
+            <a:avLst/>
+          </a:prstGeom>
+          <a:noFill/>
+          <a:ln>
+            <a:solidFill>
+              <a:schemeClr val="tx1"/>
+            </a:solidFill>
+          </a:ln>
+        </p:spPr>
+        <p:style>
+          <a:lnRef idx="2">
+            <a:schemeClr val="accent1">
+              <a:shade val="50000"/>
+            </a:schemeClr>
+          </a:lnRef>
+          <a:fillRef idx="1">
+            <a:schemeClr val="accent1"/>
+          </a:fillRef>
+          <a:effectRef idx="0">
+            <a:schemeClr val="accent1"/>
+          </a:effectRef>
+          <a:fontRef idx="minor">
+            <a:schemeClr val="lt1"/>
+          </a:fontRef>
+        </p:style>
+        <p:txBody>
+          <a:bodyPr rot="0" spcFirstLastPara="0" vertOverflow="overflow" horzOverflow="overflow" vert="horz" wrap="square" lIns="191785" tIns="95891" rIns="191785" bIns="95891" numCol="1" spcCol="0" rtlCol="0" fromWordArt="0" anchor="ctr" anchorCtr="0" forceAA="0" compatLnSpc="1">
+            <a:prstTxWarp prst="textNoShape">
+              <a:avLst/>
+            </a:prstTxWarp>
+            <a:noAutofit/>
+          </a:bodyPr>
+          <a:lstStyle/>
+          <a:p>
+            <a:pPr algn="ctr"/>
+            <a:endParaRPr lang="fr-FR" sz="2400" noProof="1"/>
+          </a:p>
+        </p:txBody>
+      </p:sp>
+      <p:sp>
+        <p:nvSpPr>
+          <p:cNvPr id="5" name="TextBox 4"/>
+          <p:cNvSpPr txBox="1"/>
+          <p:nvPr/>
+        </p:nvSpPr>
+        <p:spPr>
+          <a:xfrm flipH="1">
+            <a:off x="1155700" y="209814"/>
+            <a:ext cx="12847716" cy="461665"/>
+          </a:xfrm>
+          <a:prstGeom prst="rect">
+            <a:avLst/>
+          </a:prstGeom>
+          <a:gradFill flip="none" rotWithShape="1">
+            <a:gsLst>
+              <a:gs pos="0">
+                <a:schemeClr val="accent1">
+                  <a:lumMod val="5000"/>
+                  <a:lumOff val="95000"/>
+                </a:schemeClr>
+              </a:gs>
+              <a:gs pos="74000">
+                <a:schemeClr val="bg2">
+                  <a:lumMod val="90000"/>
+                </a:schemeClr>
+              </a:gs>
+              <a:gs pos="100000">
+                <a:schemeClr val="bg1">
+                  <a:lumMod val="75000"/>
+                </a:schemeClr>
+              </a:gs>
+            </a:gsLst>
+            <a:lin ang="0" scaled="1"/>
+            <a:tileRect/>
+          </a:gradFill>
+        </p:spPr>
+        <p:txBody>
+          <a:bodyPr wrap="square" rtlCol="0">
+            <a:spAutoFit/>
+          </a:bodyPr>
+          <a:lstStyle/>
+          <a:p>
+            <a:r>
+              <a:rPr lang="fr-FR" sz="2400" b="1" noProof="1"/>
+              <a:t>SemVer 2.0</a:t>
+            </a:r>
+          </a:p>
+        </p:txBody>
+      </p:sp>
+      <p:sp>
+        <p:nvSpPr>
+          <p:cNvPr id="6" name="Snip Single Corner Rectangle 5"/>
+          <p:cNvSpPr/>
+          <p:nvPr/>
+        </p:nvSpPr>
+        <p:spPr>
+          <a:xfrm>
+            <a:off x="11328724" y="910645"/>
+            <a:ext cx="2371170" cy="345003"/>
+          </a:xfrm>
+          <a:prstGeom prst="snip1Rect">
+            <a:avLst/>
+          </a:prstGeom>
+          <a:noFill/>
+          <a:ln>
+            <a:solidFill>
+              <a:schemeClr val="tx1"/>
+            </a:solidFill>
+            <a:prstDash val="sysDot"/>
+          </a:ln>
+        </p:spPr>
+        <p:style>
+          <a:lnRef idx="2">
+            <a:schemeClr val="accent1">
+              <a:shade val="50000"/>
+            </a:schemeClr>
+          </a:lnRef>
+          <a:fillRef idx="1">
+            <a:schemeClr val="accent1"/>
+          </a:fillRef>
+          <a:effectRef idx="0">
+            <a:schemeClr val="accent1"/>
+          </a:effectRef>
+          <a:fontRef idx="minor">
+            <a:schemeClr val="lt1"/>
+          </a:fontRef>
+        </p:style>
+        <p:txBody>
+          <a:bodyPr rot="0" spcFirstLastPara="0" vertOverflow="overflow" horzOverflow="overflow" vert="horz" wrap="none" lIns="0" tIns="0" rIns="0" bIns="0" numCol="1" spcCol="0" rtlCol="0" fromWordArt="0" anchor="ctr" anchorCtr="0" forceAA="0" compatLnSpc="1">
+            <a:prstTxWarp prst="textNoShape">
+              <a:avLst/>
+            </a:prstTxWarp>
+            <a:noAutofit/>
+          </a:bodyPr>
+          <a:lstStyle/>
+          <a:p>
+            <a:pPr algn="ctr"/>
+            <a:r>
+              <a:rPr lang="fr-FR" sz="2400" noProof="1">
+                <a:solidFill>
+                  <a:schemeClr val="tx1"/>
+                </a:solidFill>
+              </a:rPr>
+              <a:t>4.0.1-beta-23451</a:t>
+            </a:r>
+          </a:p>
+        </p:txBody>
+      </p:sp>
+      <p:sp>
+        <p:nvSpPr>
+          <p:cNvPr id="7" name="Snip Single Corner Rectangle 6"/>
+          <p:cNvSpPr/>
+          <p:nvPr/>
+        </p:nvSpPr>
+        <p:spPr>
+          <a:xfrm>
+            <a:off x="11328722" y="1480989"/>
+            <a:ext cx="2371170" cy="345003"/>
+          </a:xfrm>
+          <a:prstGeom prst="snip1Rect">
+            <a:avLst/>
+          </a:prstGeom>
+          <a:noFill/>
+          <a:ln>
+            <a:solidFill>
+              <a:schemeClr val="tx1"/>
+            </a:solidFill>
+            <a:prstDash val="sysDot"/>
+          </a:ln>
+        </p:spPr>
+        <p:style>
+          <a:lnRef idx="2">
+            <a:schemeClr val="accent1">
+              <a:shade val="50000"/>
+            </a:schemeClr>
+          </a:lnRef>
+          <a:fillRef idx="1">
+            <a:schemeClr val="accent1"/>
+          </a:fillRef>
+          <a:effectRef idx="0">
+            <a:schemeClr val="accent1"/>
+          </a:effectRef>
+          <a:fontRef idx="minor">
+            <a:schemeClr val="lt1"/>
+          </a:fontRef>
+        </p:style>
+        <p:txBody>
+          <a:bodyPr rot="0" spcFirstLastPara="0" vertOverflow="overflow" horzOverflow="overflow" vert="horz" wrap="none" lIns="0" tIns="0" rIns="0" bIns="0" numCol="1" spcCol="0" rtlCol="0" fromWordArt="0" anchor="ctr" anchorCtr="0" forceAA="0" compatLnSpc="1">
+            <a:prstTxWarp prst="textNoShape">
+              <a:avLst/>
+            </a:prstTxWarp>
+            <a:noAutofit/>
+          </a:bodyPr>
+          <a:lstStyle/>
+          <a:p>
+            <a:pPr algn="ctr"/>
+            <a:r>
+              <a:rPr lang="fr-FR" sz="2400" noProof="1">
+                <a:solidFill>
+                  <a:schemeClr val="tx1"/>
+                </a:solidFill>
+              </a:rPr>
+              <a:t>3.2.0-final</a:t>
+            </a:r>
+          </a:p>
+        </p:txBody>
+      </p:sp>
+      <p:sp>
+        <p:nvSpPr>
+          <p:cNvPr id="9" name="Rectangle 8"/>
+          <p:cNvSpPr/>
+          <p:nvPr/>
+        </p:nvSpPr>
+        <p:spPr>
+          <a:xfrm>
+            <a:off x="1300909" y="880621"/>
+            <a:ext cx="9789207" cy="4757703"/>
+          </a:xfrm>
+          <a:prstGeom prst="rect">
+            <a:avLst/>
+          </a:prstGeom>
+          <a:noFill/>
+          <a:ln>
+            <a:solidFill>
+              <a:schemeClr val="tx1"/>
+            </a:solidFill>
+          </a:ln>
+        </p:spPr>
+        <p:style>
+          <a:lnRef idx="2">
+            <a:schemeClr val="accent1">
+              <a:shade val="50000"/>
+            </a:schemeClr>
+          </a:lnRef>
+          <a:fillRef idx="1">
+            <a:schemeClr val="accent1"/>
+          </a:fillRef>
+          <a:effectRef idx="0">
+            <a:schemeClr val="accent1"/>
+          </a:effectRef>
+          <a:fontRef idx="minor">
+            <a:schemeClr val="lt1"/>
+          </a:fontRef>
+        </p:style>
+        <p:txBody>
+          <a:bodyPr rot="0" spcFirstLastPara="0" vertOverflow="overflow" horzOverflow="overflow" vert="horz" wrap="square" lIns="191785" tIns="95891" rIns="191785" bIns="95891" numCol="1" spcCol="0" rtlCol="0" fromWordArt="0" anchor="ctr" anchorCtr="0" forceAA="0" compatLnSpc="1">
+            <a:prstTxWarp prst="textNoShape">
+              <a:avLst/>
+            </a:prstTxWarp>
+            <a:noAutofit/>
+          </a:bodyPr>
+          <a:lstStyle/>
+          <a:p>
+            <a:pPr algn="ctr"/>
+            <a:endParaRPr lang="fr-FR" sz="2400" noProof="1"/>
+          </a:p>
+        </p:txBody>
+      </p:sp>
+      <p:sp>
+        <p:nvSpPr>
+          <p:cNvPr id="11" name="TextBox 10"/>
+          <p:cNvSpPr txBox="1"/>
+          <p:nvPr/>
+        </p:nvSpPr>
+        <p:spPr>
+          <a:xfrm flipH="1">
+            <a:off x="1300907" y="865532"/>
+            <a:ext cx="9789208" cy="461665"/>
+          </a:xfrm>
+          <a:prstGeom prst="rect">
+            <a:avLst/>
+          </a:prstGeom>
+          <a:gradFill flip="none" rotWithShape="1">
+            <a:gsLst>
+              <a:gs pos="0">
+                <a:schemeClr val="accent1">
+                  <a:lumMod val="5000"/>
+                  <a:lumOff val="95000"/>
+                </a:schemeClr>
+              </a:gs>
+              <a:gs pos="74000">
+                <a:schemeClr val="bg2">
+                  <a:lumMod val="90000"/>
+                </a:schemeClr>
+              </a:gs>
+              <a:gs pos="100000">
+                <a:schemeClr val="bg1">
+                  <a:lumMod val="75000"/>
+                </a:schemeClr>
+              </a:gs>
+            </a:gsLst>
+            <a:lin ang="0" scaled="1"/>
+            <a:tileRect/>
+          </a:gradFill>
+        </p:spPr>
+        <p:txBody>
+          <a:bodyPr wrap="square" rtlCol="0">
+            <a:spAutoFit/>
+          </a:bodyPr>
+          <a:lstStyle/>
+          <a:p>
+            <a:r>
+              <a:rPr lang="fr-FR" sz="2400" b="1" noProof="1"/>
+              <a:t>CSemVer (Short form)</a:t>
+            </a:r>
+          </a:p>
+        </p:txBody>
+      </p:sp>
+      <p:sp>
+        <p:nvSpPr>
+          <p:cNvPr id="12" name="Rectangle 11"/>
+          <p:cNvSpPr/>
+          <p:nvPr/>
+        </p:nvSpPr>
+        <p:spPr>
+          <a:xfrm>
+            <a:off x="1300906" y="1300829"/>
+            <a:ext cx="4884711" cy="4337493"/>
+          </a:xfrm>
+          <a:prstGeom prst="rect">
+            <a:avLst/>
+          </a:prstGeom>
+          <a:noFill/>
+          <a:ln>
+            <a:solidFill>
+              <a:schemeClr val="tx1"/>
+            </a:solidFill>
+          </a:ln>
+        </p:spPr>
+        <p:style>
+          <a:lnRef idx="2">
+            <a:schemeClr val="accent1">
+              <a:shade val="50000"/>
+            </a:schemeClr>
+          </a:lnRef>
+          <a:fillRef idx="1">
+            <a:schemeClr val="accent1"/>
+          </a:fillRef>
+          <a:effectRef idx="0">
+            <a:schemeClr val="accent1"/>
+          </a:effectRef>
+          <a:fontRef idx="minor">
+            <a:schemeClr val="lt1"/>
+          </a:fontRef>
+        </p:style>
+        <p:txBody>
+          <a:bodyPr rot="0" spcFirstLastPara="0" vertOverflow="overflow" horzOverflow="overflow" vert="horz" wrap="square" lIns="191785" tIns="95891" rIns="191785" bIns="95891" numCol="1" spcCol="0" rtlCol="0" fromWordArt="0" anchor="ctr" anchorCtr="0" forceAA="0" compatLnSpc="1">
+            <a:prstTxWarp prst="textNoShape">
+              <a:avLst/>
+            </a:prstTxWarp>
+            <a:noAutofit/>
+          </a:bodyPr>
+          <a:lstStyle/>
+          <a:p>
+            <a:pPr algn="ctr"/>
+            <a:endParaRPr lang="fr-FR" sz="2400" noProof="1"/>
+          </a:p>
+        </p:txBody>
+      </p:sp>
+      <p:sp>
+        <p:nvSpPr>
+          <p:cNvPr id="13" name="TextBox 12"/>
+          <p:cNvSpPr txBox="1"/>
+          <p:nvPr/>
+        </p:nvSpPr>
+        <p:spPr>
+          <a:xfrm flipH="1">
+            <a:off x="1300906" y="1285742"/>
+            <a:ext cx="4884711" cy="461665"/>
+          </a:xfrm>
+          <a:prstGeom prst="rect">
+            <a:avLst/>
+          </a:prstGeom>
+          <a:gradFill flip="none" rotWithShape="1">
+            <a:gsLst>
+              <a:gs pos="0">
+                <a:schemeClr val="accent1">
+                  <a:lumMod val="5000"/>
+                  <a:lumOff val="95000"/>
+                </a:schemeClr>
+              </a:gs>
+              <a:gs pos="74000">
+                <a:schemeClr val="bg2">
+                  <a:lumMod val="90000"/>
+                </a:schemeClr>
+              </a:gs>
+              <a:gs pos="100000">
+                <a:schemeClr val="bg1">
+                  <a:lumMod val="75000"/>
+                </a:schemeClr>
+              </a:gs>
+            </a:gsLst>
+            <a:lin ang="0" scaled="1"/>
+            <a:tileRect/>
+          </a:gradFill>
+        </p:spPr>
+        <p:txBody>
+          <a:bodyPr wrap="square" rtlCol="0">
+            <a:spAutoFit/>
+          </a:bodyPr>
+          <a:lstStyle/>
+          <a:p>
+            <a:r>
+              <a:rPr lang="fr-FR" sz="2400" i="1" noProof="1"/>
+              <a:t>Stable Release</a:t>
+            </a:r>
+          </a:p>
+        </p:txBody>
+      </p:sp>
+      <p:sp>
+        <p:nvSpPr>
+          <p:cNvPr id="14" name="Rectangle 13"/>
+          <p:cNvSpPr/>
+          <p:nvPr/>
+        </p:nvSpPr>
+        <p:spPr>
+          <a:xfrm>
+            <a:off x="6193151" y="1309439"/>
+            <a:ext cx="4896966" cy="4328881"/>
+          </a:xfrm>
+          <a:prstGeom prst="rect">
+            <a:avLst/>
+          </a:prstGeom>
+          <a:noFill/>
+          <a:ln>
+            <a:solidFill>
+              <a:schemeClr val="tx1"/>
+            </a:solidFill>
+          </a:ln>
+        </p:spPr>
+        <p:style>
+          <a:lnRef idx="2">
+            <a:schemeClr val="accent1">
+              <a:shade val="50000"/>
+            </a:schemeClr>
+          </a:lnRef>
+          <a:fillRef idx="1">
+            <a:schemeClr val="accent1"/>
+          </a:fillRef>
+          <a:effectRef idx="0">
+            <a:schemeClr val="accent1"/>
+          </a:effectRef>
+          <a:fontRef idx="minor">
+            <a:schemeClr val="lt1"/>
+          </a:fontRef>
+        </p:style>
+        <p:txBody>
+          <a:bodyPr rot="0" spcFirstLastPara="0" vertOverflow="overflow" horzOverflow="overflow" vert="horz" wrap="square" lIns="191785" tIns="95891" rIns="191785" bIns="95891" numCol="1" spcCol="0" rtlCol="0" fromWordArt="0" anchor="ctr" anchorCtr="0" forceAA="0" compatLnSpc="1">
+            <a:prstTxWarp prst="textNoShape">
+              <a:avLst/>
+            </a:prstTxWarp>
+            <a:noAutofit/>
+          </a:bodyPr>
+          <a:lstStyle/>
+          <a:p>
+            <a:pPr algn="ctr"/>
+            <a:endParaRPr lang="fr-FR" sz="2400" noProof="1"/>
+          </a:p>
+        </p:txBody>
+      </p:sp>
+      <p:sp>
+        <p:nvSpPr>
+          <p:cNvPr id="15" name="TextBox 14"/>
+          <p:cNvSpPr txBox="1"/>
+          <p:nvPr/>
+        </p:nvSpPr>
+        <p:spPr>
+          <a:xfrm flipH="1">
+            <a:off x="6193146" y="1294352"/>
+            <a:ext cx="4896965" cy="461665"/>
+          </a:xfrm>
+          <a:prstGeom prst="rect">
+            <a:avLst/>
+          </a:prstGeom>
+          <a:gradFill flip="none" rotWithShape="1">
+            <a:gsLst>
+              <a:gs pos="0">
+                <a:schemeClr val="accent1">
+                  <a:lumMod val="5000"/>
+                  <a:lumOff val="95000"/>
+                </a:schemeClr>
+              </a:gs>
+              <a:gs pos="74000">
+                <a:schemeClr val="bg2">
+                  <a:lumMod val="90000"/>
+                </a:schemeClr>
+              </a:gs>
+              <a:gs pos="100000">
+                <a:schemeClr val="bg1">
+                  <a:lumMod val="75000"/>
+                </a:schemeClr>
+              </a:gs>
+            </a:gsLst>
+            <a:lin ang="0" scaled="1"/>
+            <a:tileRect/>
+          </a:gradFill>
+        </p:spPr>
+        <p:txBody>
+          <a:bodyPr wrap="square" rtlCol="0">
+            <a:spAutoFit/>
+          </a:bodyPr>
+          <a:lstStyle/>
+          <a:p>
+            <a:r>
+              <a:rPr lang="fr-FR" sz="2400" i="1" noProof="1"/>
+              <a:t>Pre Release</a:t>
+            </a:r>
+          </a:p>
+        </p:txBody>
+      </p:sp>
+      <p:sp>
+        <p:nvSpPr>
+          <p:cNvPr id="16" name="Rectangle 15"/>
+          <p:cNvSpPr/>
+          <p:nvPr/>
+        </p:nvSpPr>
+        <p:spPr>
+          <a:xfrm>
+            <a:off x="1604093" y="1951666"/>
+            <a:ext cx="4285872" cy="1056277"/>
+          </a:xfrm>
+          <a:prstGeom prst="rect">
+            <a:avLst/>
+          </a:prstGeom>
+          <a:noFill/>
+          <a:ln>
+            <a:solidFill>
+              <a:schemeClr val="tx1"/>
+            </a:solidFill>
+          </a:ln>
+        </p:spPr>
+        <p:style>
+          <a:lnRef idx="2">
+            <a:schemeClr val="accent1">
+              <a:shade val="50000"/>
+            </a:schemeClr>
+          </a:lnRef>
+          <a:fillRef idx="1">
+            <a:schemeClr val="accent1"/>
+          </a:fillRef>
+          <a:effectRef idx="0">
+            <a:schemeClr val="accent1"/>
+          </a:effectRef>
+          <a:fontRef idx="minor">
+            <a:schemeClr val="lt1"/>
+          </a:fontRef>
+        </p:style>
+        <p:txBody>
+          <a:bodyPr rot="0" spcFirstLastPara="0" vertOverflow="overflow" horzOverflow="overflow" vert="horz" wrap="square" lIns="191785" tIns="95891" rIns="191785" bIns="95891" numCol="1" spcCol="0" rtlCol="0" fromWordArt="0" anchor="ctr" anchorCtr="0" forceAA="0" compatLnSpc="1">
+            <a:prstTxWarp prst="textNoShape">
+              <a:avLst/>
+            </a:prstTxWarp>
+            <a:noAutofit/>
+          </a:bodyPr>
+          <a:lstStyle/>
+          <a:p>
+            <a:pPr algn="ctr"/>
+            <a:endParaRPr lang="fr-FR" sz="2400" noProof="1"/>
+          </a:p>
+        </p:txBody>
+      </p:sp>
+      <p:sp>
+        <p:nvSpPr>
+          <p:cNvPr id="17" name="TextBox 16"/>
+          <p:cNvSpPr txBox="1"/>
+          <p:nvPr/>
+        </p:nvSpPr>
+        <p:spPr>
+          <a:xfrm flipH="1">
+            <a:off x="1604092" y="1951666"/>
+            <a:ext cx="4285872" cy="461665"/>
+          </a:xfrm>
+          <a:prstGeom prst="rect">
+            <a:avLst/>
+          </a:prstGeom>
+          <a:gradFill flip="none" rotWithShape="1">
+            <a:gsLst>
+              <a:gs pos="0">
+                <a:schemeClr val="accent1">
+                  <a:lumMod val="5000"/>
+                  <a:lumOff val="95000"/>
+                </a:schemeClr>
+              </a:gs>
+              <a:gs pos="74000">
+                <a:schemeClr val="bg2">
+                  <a:lumMod val="90000"/>
+                </a:schemeClr>
+              </a:gs>
+              <a:gs pos="100000">
+                <a:schemeClr val="bg1">
+                  <a:lumMod val="75000"/>
+                </a:schemeClr>
+              </a:gs>
+            </a:gsLst>
+            <a:lin ang="0" scaled="1"/>
+            <a:tileRect/>
+          </a:gradFill>
+        </p:spPr>
+        <p:txBody>
+          <a:bodyPr wrap="square" rtlCol="0">
+            <a:spAutoFit/>
+          </a:bodyPr>
+          <a:lstStyle/>
+          <a:p>
+            <a:r>
+              <a:rPr lang="fr-FR" sz="2400" i="1" noProof="1"/>
+              <a:t>Major Release</a:t>
+            </a:r>
+          </a:p>
+        </p:txBody>
+      </p:sp>
+      <p:sp>
+        <p:nvSpPr>
+          <p:cNvPr id="18" name="Snip Single Corner Rectangle 17"/>
+          <p:cNvSpPr/>
+          <p:nvPr/>
+        </p:nvSpPr>
+        <p:spPr>
+          <a:xfrm>
+            <a:off x="1727816" y="2529676"/>
+            <a:ext cx="1915281" cy="322472"/>
+          </a:xfrm>
+          <a:prstGeom prst="snip1Rect">
+            <a:avLst/>
+          </a:prstGeom>
+          <a:noFill/>
+          <a:ln>
+            <a:solidFill>
+              <a:schemeClr val="tx1"/>
+            </a:solidFill>
+            <a:prstDash val="sysDot"/>
+          </a:ln>
+        </p:spPr>
+        <p:style>
+          <a:lnRef idx="2">
+            <a:schemeClr val="accent1">
+              <a:shade val="50000"/>
+            </a:schemeClr>
+          </a:lnRef>
+          <a:fillRef idx="1">
+            <a:schemeClr val="accent1"/>
+          </a:fillRef>
+          <a:effectRef idx="0">
+            <a:schemeClr val="accent1"/>
+          </a:effectRef>
+          <a:fontRef idx="minor">
+            <a:schemeClr val="lt1"/>
+          </a:fontRef>
+        </p:style>
+        <p:txBody>
+          <a:bodyPr rot="0" spcFirstLastPara="0" vertOverflow="overflow" horzOverflow="overflow" vert="horz" wrap="none" lIns="0" tIns="0" rIns="0" bIns="0" numCol="1" spcCol="0" rtlCol="0" fromWordArt="0" anchor="ctr" anchorCtr="0" forceAA="0" compatLnSpc="1">
+            <a:prstTxWarp prst="textNoShape">
+              <a:avLst/>
+            </a:prstTxWarp>
+            <a:noAutofit/>
+          </a:bodyPr>
+          <a:lstStyle/>
+          <a:p>
+            <a:pPr algn="ctr"/>
+            <a:r>
+              <a:rPr lang="fr-FR" sz="2400" noProof="1">
+                <a:solidFill>
+                  <a:schemeClr val="tx1"/>
+                </a:solidFill>
+              </a:rPr>
+              <a:t>1.0.0</a:t>
+            </a:r>
+          </a:p>
+        </p:txBody>
+      </p:sp>
+      <p:sp>
+        <p:nvSpPr>
+          <p:cNvPr id="19" name="Snip Single Corner Rectangle 18"/>
+          <p:cNvSpPr/>
+          <p:nvPr/>
+        </p:nvSpPr>
+        <p:spPr>
+          <a:xfrm>
+            <a:off x="3801462" y="2529675"/>
+            <a:ext cx="1915281" cy="322472"/>
+          </a:xfrm>
+          <a:prstGeom prst="snip1Rect">
+            <a:avLst/>
+          </a:prstGeom>
+          <a:noFill/>
+          <a:ln>
+            <a:solidFill>
+              <a:schemeClr val="tx1"/>
+            </a:solidFill>
+            <a:prstDash val="sysDot"/>
+          </a:ln>
+        </p:spPr>
+        <p:style>
+          <a:lnRef idx="2">
+            <a:schemeClr val="accent1">
+              <a:shade val="50000"/>
+            </a:schemeClr>
+          </a:lnRef>
+          <a:fillRef idx="1">
+            <a:schemeClr val="accent1"/>
+          </a:fillRef>
+          <a:effectRef idx="0">
+            <a:schemeClr val="accent1"/>
+          </a:effectRef>
+          <a:fontRef idx="minor">
+            <a:schemeClr val="lt1"/>
+          </a:fontRef>
+        </p:style>
+        <p:txBody>
+          <a:bodyPr rot="0" spcFirstLastPara="0" vertOverflow="overflow" horzOverflow="overflow" vert="horz" wrap="none" lIns="0" tIns="0" rIns="0" bIns="0" numCol="1" spcCol="0" rtlCol="0" fromWordArt="0" anchor="ctr" anchorCtr="0" forceAA="0" compatLnSpc="1">
+            <a:prstTxWarp prst="textNoShape">
+              <a:avLst/>
+            </a:prstTxWarp>
+            <a:noAutofit/>
+          </a:bodyPr>
+          <a:lstStyle/>
+          <a:p>
+            <a:pPr algn="ctr"/>
+            <a:r>
+              <a:rPr lang="fr-FR" sz="2400" noProof="1">
+                <a:solidFill>
+                  <a:schemeClr val="tx1"/>
+                </a:solidFill>
+              </a:rPr>
+              <a:t>5.0.0</a:t>
+            </a:r>
+          </a:p>
+        </p:txBody>
+      </p:sp>
+      <p:sp>
+        <p:nvSpPr>
+          <p:cNvPr id="20" name="Rectangle 19"/>
+          <p:cNvSpPr/>
+          <p:nvPr/>
+        </p:nvSpPr>
+        <p:spPr>
+          <a:xfrm>
+            <a:off x="1604093" y="3187842"/>
+            <a:ext cx="4285872" cy="1056277"/>
+          </a:xfrm>
+          <a:prstGeom prst="rect">
+            <a:avLst/>
+          </a:prstGeom>
+          <a:noFill/>
+          <a:ln>
+            <a:solidFill>
+              <a:schemeClr val="tx1"/>
+            </a:solidFill>
+          </a:ln>
+        </p:spPr>
+        <p:style>
+          <a:lnRef idx="2">
+            <a:schemeClr val="accent1">
+              <a:shade val="50000"/>
+            </a:schemeClr>
+          </a:lnRef>
+          <a:fillRef idx="1">
+            <a:schemeClr val="accent1"/>
+          </a:fillRef>
+          <a:effectRef idx="0">
+            <a:schemeClr val="accent1"/>
+          </a:effectRef>
+          <a:fontRef idx="minor">
+            <a:schemeClr val="lt1"/>
+          </a:fontRef>
+        </p:style>
+        <p:txBody>
+          <a:bodyPr rot="0" spcFirstLastPara="0" vertOverflow="overflow" horzOverflow="overflow" vert="horz" wrap="square" lIns="191785" tIns="95891" rIns="191785" bIns="95891" numCol="1" spcCol="0" rtlCol="0" fromWordArt="0" anchor="ctr" anchorCtr="0" forceAA="0" compatLnSpc="1">
+            <a:prstTxWarp prst="textNoShape">
+              <a:avLst/>
+            </a:prstTxWarp>
+            <a:noAutofit/>
+          </a:bodyPr>
+          <a:lstStyle/>
+          <a:p>
+            <a:pPr algn="ctr"/>
+            <a:endParaRPr lang="fr-FR" sz="2400" noProof="1"/>
+          </a:p>
+        </p:txBody>
+      </p:sp>
+      <p:sp>
+        <p:nvSpPr>
+          <p:cNvPr id="21" name="TextBox 20"/>
+          <p:cNvSpPr txBox="1"/>
+          <p:nvPr/>
+        </p:nvSpPr>
+        <p:spPr>
+          <a:xfrm flipH="1">
+            <a:off x="1604092" y="3187842"/>
+            <a:ext cx="4285872" cy="461665"/>
+          </a:xfrm>
+          <a:prstGeom prst="rect">
+            <a:avLst/>
+          </a:prstGeom>
+          <a:gradFill flip="none" rotWithShape="1">
+            <a:gsLst>
+              <a:gs pos="0">
+                <a:schemeClr val="accent1">
+                  <a:lumMod val="5000"/>
+                  <a:lumOff val="95000"/>
+                </a:schemeClr>
+              </a:gs>
+              <a:gs pos="74000">
+                <a:schemeClr val="bg2">
+                  <a:lumMod val="90000"/>
+                </a:schemeClr>
+              </a:gs>
+              <a:gs pos="100000">
+                <a:schemeClr val="bg1">
+                  <a:lumMod val="75000"/>
+                </a:schemeClr>
+              </a:gs>
+            </a:gsLst>
+            <a:lin ang="0" scaled="1"/>
+            <a:tileRect/>
+          </a:gradFill>
+        </p:spPr>
+        <p:txBody>
+          <a:bodyPr wrap="square" rtlCol="0">
+            <a:spAutoFit/>
+          </a:bodyPr>
+          <a:lstStyle/>
+          <a:p>
+            <a:r>
+              <a:rPr lang="fr-FR" sz="2400" i="1" noProof="1"/>
+              <a:t>Minor Release</a:t>
+            </a:r>
+          </a:p>
+        </p:txBody>
+      </p:sp>
+      <p:sp>
+        <p:nvSpPr>
+          <p:cNvPr id="22" name="Snip Single Corner Rectangle 21"/>
+          <p:cNvSpPr/>
+          <p:nvPr/>
+        </p:nvSpPr>
+        <p:spPr>
+          <a:xfrm>
+            <a:off x="1727816" y="3765852"/>
+            <a:ext cx="1915281" cy="322472"/>
+          </a:xfrm>
+          <a:prstGeom prst="snip1Rect">
+            <a:avLst/>
+          </a:prstGeom>
+          <a:noFill/>
+          <a:ln>
+            <a:solidFill>
+              <a:schemeClr val="tx1"/>
+            </a:solidFill>
+            <a:prstDash val="sysDot"/>
+          </a:ln>
+        </p:spPr>
+        <p:style>
+          <a:lnRef idx="2">
+            <a:schemeClr val="accent1">
+              <a:shade val="50000"/>
+            </a:schemeClr>
+          </a:lnRef>
+          <a:fillRef idx="1">
+            <a:schemeClr val="accent1"/>
+          </a:fillRef>
+          <a:effectRef idx="0">
+            <a:schemeClr val="accent1"/>
+          </a:effectRef>
+          <a:fontRef idx="minor">
+            <a:schemeClr val="lt1"/>
+          </a:fontRef>
+        </p:style>
+        <p:txBody>
+          <a:bodyPr rot="0" spcFirstLastPara="0" vertOverflow="overflow" horzOverflow="overflow" vert="horz" wrap="none" lIns="0" tIns="0" rIns="0" bIns="0" numCol="1" spcCol="0" rtlCol="0" fromWordArt="0" anchor="ctr" anchorCtr="0" forceAA="0" compatLnSpc="1">
+            <a:prstTxWarp prst="textNoShape">
+              <a:avLst/>
+            </a:prstTxWarp>
+            <a:noAutofit/>
+          </a:bodyPr>
+          <a:lstStyle/>
+          <a:p>
+            <a:pPr algn="ctr"/>
+            <a:r>
+              <a:rPr lang="fr-FR" sz="2400" noProof="1">
+                <a:solidFill>
+                  <a:schemeClr val="tx1"/>
+                </a:solidFill>
+              </a:rPr>
+              <a:t>2.7.0</a:t>
+            </a:r>
+          </a:p>
+        </p:txBody>
+      </p:sp>
+      <p:sp>
+        <p:nvSpPr>
+          <p:cNvPr id="23" name="Snip Single Corner Rectangle 22"/>
+          <p:cNvSpPr/>
+          <p:nvPr/>
+        </p:nvSpPr>
+        <p:spPr>
+          <a:xfrm>
+            <a:off x="3801462" y="3765851"/>
+            <a:ext cx="1915281" cy="322472"/>
+          </a:xfrm>
+          <a:prstGeom prst="snip1Rect">
+            <a:avLst/>
+          </a:prstGeom>
+          <a:noFill/>
+          <a:ln>
+            <a:solidFill>
+              <a:schemeClr val="tx1"/>
+            </a:solidFill>
+            <a:prstDash val="sysDot"/>
+          </a:ln>
+        </p:spPr>
+        <p:style>
+          <a:lnRef idx="2">
+            <a:schemeClr val="accent1">
+              <a:shade val="50000"/>
+            </a:schemeClr>
+          </a:lnRef>
+          <a:fillRef idx="1">
+            <a:schemeClr val="accent1"/>
+          </a:fillRef>
+          <a:effectRef idx="0">
+            <a:schemeClr val="accent1"/>
+          </a:effectRef>
+          <a:fontRef idx="minor">
+            <a:schemeClr val="lt1"/>
+          </a:fontRef>
+        </p:style>
+        <p:txBody>
+          <a:bodyPr rot="0" spcFirstLastPara="0" vertOverflow="overflow" horzOverflow="overflow" vert="horz" wrap="none" lIns="0" tIns="0" rIns="0" bIns="0" numCol="1" spcCol="0" rtlCol="0" fromWordArt="0" anchor="ctr" anchorCtr="0" forceAA="0" compatLnSpc="1">
+            <a:prstTxWarp prst="textNoShape">
+              <a:avLst/>
+            </a:prstTxWarp>
+            <a:noAutofit/>
+          </a:bodyPr>
+          <a:lstStyle/>
+          <a:p>
+            <a:pPr algn="ctr"/>
+            <a:r>
+              <a:rPr lang="fr-FR" sz="2400" noProof="1">
+                <a:solidFill>
+                  <a:schemeClr val="tx1"/>
+                </a:solidFill>
+              </a:rPr>
+              <a:t>5.4.0</a:t>
+            </a:r>
+          </a:p>
+        </p:txBody>
+      </p:sp>
+      <p:sp>
+        <p:nvSpPr>
+          <p:cNvPr id="24" name="Rectangle 23"/>
+          <p:cNvSpPr/>
+          <p:nvPr/>
+        </p:nvSpPr>
+        <p:spPr>
+          <a:xfrm>
+            <a:off x="1604093" y="4408931"/>
+            <a:ext cx="4285872" cy="1056277"/>
+          </a:xfrm>
+          <a:prstGeom prst="rect">
+            <a:avLst/>
+          </a:prstGeom>
+          <a:noFill/>
+          <a:ln>
+            <a:solidFill>
+              <a:schemeClr val="tx1"/>
+            </a:solidFill>
+          </a:ln>
+        </p:spPr>
+        <p:style>
+          <a:lnRef idx="2">
+            <a:schemeClr val="accent1">
+              <a:shade val="50000"/>
+            </a:schemeClr>
+          </a:lnRef>
+          <a:fillRef idx="1">
+            <a:schemeClr val="accent1"/>
+          </a:fillRef>
+          <a:effectRef idx="0">
+            <a:schemeClr val="accent1"/>
+          </a:effectRef>
+          <a:fontRef idx="minor">
+            <a:schemeClr val="lt1"/>
+          </a:fontRef>
+        </p:style>
+        <p:txBody>
+          <a:bodyPr rot="0" spcFirstLastPara="0" vertOverflow="overflow" horzOverflow="overflow" vert="horz" wrap="square" lIns="191785" tIns="95891" rIns="191785" bIns="95891" numCol="1" spcCol="0" rtlCol="0" fromWordArt="0" anchor="ctr" anchorCtr="0" forceAA="0" compatLnSpc="1">
+            <a:prstTxWarp prst="textNoShape">
+              <a:avLst/>
+            </a:prstTxWarp>
+            <a:noAutofit/>
+          </a:bodyPr>
+          <a:lstStyle/>
+          <a:p>
+            <a:pPr algn="ctr"/>
+            <a:endParaRPr lang="fr-FR" sz="2400" noProof="1"/>
+          </a:p>
+        </p:txBody>
+      </p:sp>
+      <p:sp>
+        <p:nvSpPr>
+          <p:cNvPr id="25" name="TextBox 24"/>
+          <p:cNvSpPr txBox="1"/>
+          <p:nvPr/>
+        </p:nvSpPr>
+        <p:spPr>
+          <a:xfrm flipH="1">
+            <a:off x="1604092" y="4408931"/>
+            <a:ext cx="4285872" cy="461665"/>
+          </a:xfrm>
+          <a:prstGeom prst="rect">
+            <a:avLst/>
+          </a:prstGeom>
+          <a:gradFill flip="none" rotWithShape="1">
+            <a:gsLst>
+              <a:gs pos="0">
+                <a:schemeClr val="accent1">
+                  <a:lumMod val="5000"/>
+                  <a:lumOff val="95000"/>
+                </a:schemeClr>
+              </a:gs>
+              <a:gs pos="74000">
+                <a:schemeClr val="bg2">
+                  <a:lumMod val="90000"/>
+                </a:schemeClr>
+              </a:gs>
+              <a:gs pos="100000">
+                <a:schemeClr val="bg1">
+                  <a:lumMod val="75000"/>
+                </a:schemeClr>
+              </a:gs>
+            </a:gsLst>
+            <a:lin ang="0" scaled="1"/>
+            <a:tileRect/>
+          </a:gradFill>
+        </p:spPr>
+        <p:txBody>
+          <a:bodyPr wrap="square" rtlCol="0">
+            <a:spAutoFit/>
+          </a:bodyPr>
+          <a:lstStyle/>
+          <a:p>
+            <a:r>
+              <a:rPr lang="fr-FR" sz="2400" i="1" noProof="1"/>
+              <a:t>Patch Release</a:t>
+            </a:r>
+          </a:p>
+        </p:txBody>
+      </p:sp>
+      <p:sp>
+        <p:nvSpPr>
+          <p:cNvPr id="26" name="Snip Single Corner Rectangle 25"/>
+          <p:cNvSpPr/>
+          <p:nvPr/>
+        </p:nvSpPr>
+        <p:spPr>
+          <a:xfrm>
+            <a:off x="1727816" y="4986941"/>
+            <a:ext cx="1915281" cy="322472"/>
+          </a:xfrm>
+          <a:prstGeom prst="snip1Rect">
+            <a:avLst/>
+          </a:prstGeom>
+          <a:noFill/>
+          <a:ln>
+            <a:solidFill>
+              <a:schemeClr val="tx1"/>
+            </a:solidFill>
+            <a:prstDash val="sysDot"/>
+          </a:ln>
+        </p:spPr>
+        <p:style>
+          <a:lnRef idx="2">
+            <a:schemeClr val="accent1">
+              <a:shade val="50000"/>
+            </a:schemeClr>
+          </a:lnRef>
+          <a:fillRef idx="1">
+            <a:schemeClr val="accent1"/>
+          </a:fillRef>
+          <a:effectRef idx="0">
+            <a:schemeClr val="accent1"/>
+          </a:effectRef>
+          <a:fontRef idx="minor">
+            <a:schemeClr val="lt1"/>
+          </a:fontRef>
+        </p:style>
+        <p:txBody>
+          <a:bodyPr rot="0" spcFirstLastPara="0" vertOverflow="overflow" horzOverflow="overflow" vert="horz" wrap="none" lIns="0" tIns="0" rIns="0" bIns="0" numCol="1" spcCol="0" rtlCol="0" fromWordArt="0" anchor="ctr" anchorCtr="0" forceAA="0" compatLnSpc="1">
+            <a:prstTxWarp prst="textNoShape">
+              <a:avLst/>
+            </a:prstTxWarp>
+            <a:noAutofit/>
+          </a:bodyPr>
+          <a:lstStyle/>
+          <a:p>
+            <a:pPr algn="ctr"/>
+            <a:r>
+              <a:rPr lang="fr-FR" sz="2400" noProof="1">
+                <a:solidFill>
+                  <a:schemeClr val="tx1"/>
+                </a:solidFill>
+              </a:rPr>
+              <a:t>2.7.1</a:t>
+            </a:r>
+          </a:p>
+        </p:txBody>
+      </p:sp>
+      <p:sp>
+        <p:nvSpPr>
+          <p:cNvPr id="27" name="Snip Single Corner Rectangle 26"/>
+          <p:cNvSpPr/>
+          <p:nvPr/>
+        </p:nvSpPr>
+        <p:spPr>
+          <a:xfrm>
+            <a:off x="3801462" y="4986940"/>
+            <a:ext cx="1915281" cy="322472"/>
+          </a:xfrm>
+          <a:prstGeom prst="snip1Rect">
+            <a:avLst/>
+          </a:prstGeom>
+          <a:noFill/>
+          <a:ln>
+            <a:solidFill>
+              <a:schemeClr val="tx1"/>
+            </a:solidFill>
+            <a:prstDash val="sysDot"/>
+          </a:ln>
+        </p:spPr>
+        <p:style>
+          <a:lnRef idx="2">
+            <a:schemeClr val="accent1">
+              <a:shade val="50000"/>
+            </a:schemeClr>
+          </a:lnRef>
+          <a:fillRef idx="1">
+            <a:schemeClr val="accent1"/>
+          </a:fillRef>
+          <a:effectRef idx="0">
+            <a:schemeClr val="accent1"/>
+          </a:effectRef>
+          <a:fontRef idx="minor">
+            <a:schemeClr val="lt1"/>
+          </a:fontRef>
+        </p:style>
+        <p:txBody>
+          <a:bodyPr rot="0" spcFirstLastPara="0" vertOverflow="overflow" horzOverflow="overflow" vert="horz" wrap="none" lIns="0" tIns="0" rIns="0" bIns="0" numCol="1" spcCol="0" rtlCol="0" fromWordArt="0" anchor="ctr" anchorCtr="0" forceAA="0" compatLnSpc="1">
+            <a:prstTxWarp prst="textNoShape">
+              <a:avLst/>
+            </a:prstTxWarp>
+            <a:noAutofit/>
+          </a:bodyPr>
+          <a:lstStyle/>
+          <a:p>
+            <a:pPr algn="ctr"/>
+            <a:r>
+              <a:rPr lang="fr-FR" sz="2400" noProof="1">
+                <a:solidFill>
+                  <a:schemeClr val="tx1"/>
+                </a:solidFill>
+              </a:rPr>
+              <a:t>5.4.2</a:t>
+            </a:r>
+          </a:p>
+        </p:txBody>
+      </p:sp>
+      <p:sp>
+        <p:nvSpPr>
+          <p:cNvPr id="28" name="Rectangle 27"/>
+          <p:cNvSpPr/>
+          <p:nvPr/>
+        </p:nvSpPr>
+        <p:spPr>
+          <a:xfrm>
+            <a:off x="6525806" y="1951668"/>
+            <a:ext cx="4285872" cy="1056277"/>
+          </a:xfrm>
+          <a:prstGeom prst="rect">
+            <a:avLst/>
+          </a:prstGeom>
+          <a:noFill/>
+          <a:ln>
+            <a:solidFill>
+              <a:schemeClr val="tx1"/>
+            </a:solidFill>
+          </a:ln>
+        </p:spPr>
+        <p:style>
+          <a:lnRef idx="2">
+            <a:schemeClr val="accent1">
+              <a:shade val="50000"/>
+            </a:schemeClr>
+          </a:lnRef>
+          <a:fillRef idx="1">
+            <a:schemeClr val="accent1"/>
+          </a:fillRef>
+          <a:effectRef idx="0">
+            <a:schemeClr val="accent1"/>
+          </a:effectRef>
+          <a:fontRef idx="minor">
+            <a:schemeClr val="lt1"/>
+          </a:fontRef>
+        </p:style>
+        <p:txBody>
+          <a:bodyPr rot="0" spcFirstLastPara="0" vertOverflow="overflow" horzOverflow="overflow" vert="horz" wrap="square" lIns="191785" tIns="95891" rIns="191785" bIns="95891" numCol="1" spcCol="0" rtlCol="0" fromWordArt="0" anchor="ctr" anchorCtr="0" forceAA="0" compatLnSpc="1">
+            <a:prstTxWarp prst="textNoShape">
+              <a:avLst/>
+            </a:prstTxWarp>
+            <a:noAutofit/>
+          </a:bodyPr>
+          <a:lstStyle/>
+          <a:p>
+            <a:pPr algn="ctr"/>
+            <a:endParaRPr lang="fr-FR" sz="2400" noProof="1"/>
+          </a:p>
+        </p:txBody>
+      </p:sp>
+      <p:sp>
+        <p:nvSpPr>
+          <p:cNvPr id="29" name="TextBox 28"/>
+          <p:cNvSpPr txBox="1"/>
+          <p:nvPr/>
+        </p:nvSpPr>
+        <p:spPr>
+          <a:xfrm flipH="1">
+            <a:off x="6525805" y="1951668"/>
+            <a:ext cx="4285872" cy="461665"/>
+          </a:xfrm>
+          <a:prstGeom prst="rect">
+            <a:avLst/>
+          </a:prstGeom>
+          <a:gradFill flip="none" rotWithShape="1">
+            <a:gsLst>
+              <a:gs pos="0">
+                <a:schemeClr val="accent1">
+                  <a:lumMod val="5000"/>
+                  <a:lumOff val="95000"/>
+                </a:schemeClr>
+              </a:gs>
+              <a:gs pos="74000">
+                <a:schemeClr val="bg2">
+                  <a:lumMod val="90000"/>
+                </a:schemeClr>
+              </a:gs>
+              <a:gs pos="100000">
+                <a:schemeClr val="bg1">
+                  <a:lumMod val="75000"/>
+                </a:schemeClr>
+              </a:gs>
+            </a:gsLst>
+            <a:lin ang="0" scaled="1"/>
+            <a:tileRect/>
+          </a:gradFill>
+        </p:spPr>
+        <p:txBody>
+          <a:bodyPr wrap="square" rtlCol="0">
+            <a:spAutoFit/>
+          </a:bodyPr>
+          <a:lstStyle/>
+          <a:p>
+            <a:r>
+              <a:rPr lang="fr-FR" sz="2400" i="1" noProof="1"/>
+              <a:t>Main PreRelease</a:t>
+            </a:r>
+          </a:p>
+        </p:txBody>
+      </p:sp>
+      <p:sp>
+        <p:nvSpPr>
+          <p:cNvPr id="30" name="Snip Single Corner Rectangle 29"/>
+          <p:cNvSpPr/>
+          <p:nvPr/>
+        </p:nvSpPr>
+        <p:spPr>
+          <a:xfrm>
+            <a:off x="6649529" y="2529678"/>
+            <a:ext cx="1915281" cy="322472"/>
+          </a:xfrm>
+          <a:prstGeom prst="snip1Rect">
+            <a:avLst/>
+          </a:prstGeom>
+          <a:noFill/>
+          <a:ln>
+            <a:solidFill>
+              <a:schemeClr val="tx1"/>
+            </a:solidFill>
+            <a:prstDash val="sysDot"/>
+          </a:ln>
+        </p:spPr>
+        <p:style>
+          <a:lnRef idx="2">
+            <a:schemeClr val="accent1">
+              <a:shade val="50000"/>
+            </a:schemeClr>
+          </a:lnRef>
+          <a:fillRef idx="1">
+            <a:schemeClr val="accent1"/>
+          </a:fillRef>
+          <a:effectRef idx="0">
+            <a:schemeClr val="accent1"/>
+          </a:effectRef>
+          <a:fontRef idx="minor">
+            <a:schemeClr val="lt1"/>
+          </a:fontRef>
+        </p:style>
+        <p:txBody>
+          <a:bodyPr rot="0" spcFirstLastPara="0" vertOverflow="overflow" horzOverflow="overflow" vert="horz" wrap="none" lIns="0" tIns="0" rIns="0" bIns="0" numCol="1" spcCol="0" rtlCol="0" fromWordArt="0" anchor="ctr" anchorCtr="0" forceAA="0" compatLnSpc="1">
+            <a:prstTxWarp prst="textNoShape">
+              <a:avLst/>
+            </a:prstTxWarp>
+            <a:noAutofit/>
+          </a:bodyPr>
+          <a:lstStyle/>
+          <a:p>
+            <a:pPr algn="ctr"/>
+            <a:r>
+              <a:rPr lang="fr-FR" sz="2400" noProof="1">
+                <a:solidFill>
+                  <a:schemeClr val="tx1"/>
+                </a:solidFill>
+              </a:rPr>
+              <a:t>1.0.0-a</a:t>
+            </a:r>
+          </a:p>
+        </p:txBody>
+      </p:sp>
+      <p:sp>
+        <p:nvSpPr>
+          <p:cNvPr id="31" name="Snip Single Corner Rectangle 30"/>
+          <p:cNvSpPr/>
+          <p:nvPr/>
+        </p:nvSpPr>
+        <p:spPr>
+          <a:xfrm>
+            <a:off x="8723175" y="2529677"/>
+            <a:ext cx="1915281" cy="322472"/>
+          </a:xfrm>
+          <a:prstGeom prst="snip1Rect">
+            <a:avLst/>
+          </a:prstGeom>
+          <a:noFill/>
+          <a:ln>
+            <a:solidFill>
+              <a:schemeClr val="tx1"/>
+            </a:solidFill>
+            <a:prstDash val="sysDot"/>
+          </a:ln>
+        </p:spPr>
+        <p:style>
+          <a:lnRef idx="2">
+            <a:schemeClr val="accent1">
+              <a:shade val="50000"/>
+            </a:schemeClr>
+          </a:lnRef>
+          <a:fillRef idx="1">
+            <a:schemeClr val="accent1"/>
+          </a:fillRef>
+          <a:effectRef idx="0">
+            <a:schemeClr val="accent1"/>
+          </a:effectRef>
+          <a:fontRef idx="minor">
+            <a:schemeClr val="lt1"/>
+          </a:fontRef>
+        </p:style>
+        <p:txBody>
+          <a:bodyPr rot="0" spcFirstLastPara="0" vertOverflow="overflow" horzOverflow="overflow" vert="horz" wrap="none" lIns="0" tIns="0" rIns="0" bIns="0" numCol="1" spcCol="0" rtlCol="0" fromWordArt="0" anchor="ctr" anchorCtr="0" forceAA="0" compatLnSpc="1">
+            <a:prstTxWarp prst="textNoShape">
+              <a:avLst/>
+            </a:prstTxWarp>
+            <a:noAutofit/>
+          </a:bodyPr>
+          <a:lstStyle/>
+          <a:p>
+            <a:pPr algn="ctr"/>
+            <a:r>
+              <a:rPr lang="fr-FR" sz="2400" noProof="1">
+                <a:solidFill>
+                  <a:schemeClr val="tx1"/>
+                </a:solidFill>
+              </a:rPr>
+              <a:t>5.0.0-r</a:t>
+            </a:r>
+          </a:p>
+        </p:txBody>
+      </p:sp>
+      <p:sp>
+        <p:nvSpPr>
+          <p:cNvPr id="36" name="Rectangle 35"/>
+          <p:cNvSpPr/>
+          <p:nvPr/>
+        </p:nvSpPr>
+        <p:spPr>
+          <a:xfrm>
+            <a:off x="6525806" y="3187681"/>
+            <a:ext cx="4285872" cy="1056277"/>
+          </a:xfrm>
+          <a:prstGeom prst="rect">
+            <a:avLst/>
+          </a:prstGeom>
+          <a:noFill/>
+          <a:ln>
+            <a:solidFill>
+              <a:schemeClr val="tx1"/>
+            </a:solidFill>
+          </a:ln>
+        </p:spPr>
+        <p:style>
+          <a:lnRef idx="2">
+            <a:schemeClr val="accent1">
+              <a:shade val="50000"/>
+            </a:schemeClr>
+          </a:lnRef>
+          <a:fillRef idx="1">
+            <a:schemeClr val="accent1"/>
+          </a:fillRef>
+          <a:effectRef idx="0">
+            <a:schemeClr val="accent1"/>
+          </a:effectRef>
+          <a:fontRef idx="minor">
+            <a:schemeClr val="lt1"/>
+          </a:fontRef>
+        </p:style>
+        <p:txBody>
+          <a:bodyPr rot="0" spcFirstLastPara="0" vertOverflow="overflow" horzOverflow="overflow" vert="horz" wrap="square" lIns="191785" tIns="95891" rIns="191785" bIns="95891" numCol="1" spcCol="0" rtlCol="0" fromWordArt="0" anchor="ctr" anchorCtr="0" forceAA="0" compatLnSpc="1">
+            <a:prstTxWarp prst="textNoShape">
+              <a:avLst/>
+            </a:prstTxWarp>
+            <a:noAutofit/>
+          </a:bodyPr>
+          <a:lstStyle/>
+          <a:p>
+            <a:pPr algn="ctr"/>
+            <a:endParaRPr lang="fr-FR" sz="2400" noProof="1"/>
+          </a:p>
+        </p:txBody>
+      </p:sp>
+      <p:sp>
+        <p:nvSpPr>
+          <p:cNvPr id="37" name="TextBox 36"/>
+          <p:cNvSpPr txBox="1"/>
+          <p:nvPr/>
+        </p:nvSpPr>
+        <p:spPr>
+          <a:xfrm flipH="1">
+            <a:off x="6525805" y="3187681"/>
+            <a:ext cx="4285872" cy="461665"/>
+          </a:xfrm>
+          <a:prstGeom prst="rect">
+            <a:avLst/>
+          </a:prstGeom>
+          <a:gradFill flip="none" rotWithShape="1">
+            <a:gsLst>
+              <a:gs pos="0">
+                <a:schemeClr val="accent1">
+                  <a:lumMod val="5000"/>
+                  <a:lumOff val="95000"/>
+                </a:schemeClr>
+              </a:gs>
+              <a:gs pos="74000">
+                <a:schemeClr val="bg2">
+                  <a:lumMod val="90000"/>
+                </a:schemeClr>
+              </a:gs>
+              <a:gs pos="100000">
+                <a:schemeClr val="bg1">
+                  <a:lumMod val="75000"/>
+                </a:schemeClr>
+              </a:gs>
+            </a:gsLst>
+            <a:lin ang="0" scaled="1"/>
+            <a:tileRect/>
+          </a:gradFill>
+        </p:spPr>
+        <p:txBody>
+          <a:bodyPr wrap="square" rtlCol="0">
+            <a:spAutoFit/>
+          </a:bodyPr>
+          <a:lstStyle/>
+          <a:p>
+            <a:r>
+              <a:rPr lang="fr-FR" sz="2400" i="1" noProof="1"/>
+              <a:t>Numbered PreRelease</a:t>
+            </a:r>
+          </a:p>
+        </p:txBody>
+      </p:sp>
+      <p:sp>
+        <p:nvSpPr>
+          <p:cNvPr id="38" name="Snip Single Corner Rectangle 37"/>
+          <p:cNvSpPr/>
+          <p:nvPr/>
+        </p:nvSpPr>
+        <p:spPr>
+          <a:xfrm>
+            <a:off x="6649529" y="3765691"/>
+            <a:ext cx="1915281" cy="322472"/>
+          </a:xfrm>
+          <a:prstGeom prst="snip1Rect">
+            <a:avLst/>
+          </a:prstGeom>
+          <a:noFill/>
+          <a:ln>
+            <a:solidFill>
+              <a:schemeClr val="tx1"/>
+            </a:solidFill>
+            <a:prstDash val="sysDot"/>
+          </a:ln>
+        </p:spPr>
+        <p:style>
+          <a:lnRef idx="2">
+            <a:schemeClr val="accent1">
+              <a:shade val="50000"/>
+            </a:schemeClr>
+          </a:lnRef>
+          <a:fillRef idx="1">
+            <a:schemeClr val="accent1"/>
+          </a:fillRef>
+          <a:effectRef idx="0">
+            <a:schemeClr val="accent1"/>
+          </a:effectRef>
+          <a:fontRef idx="minor">
+            <a:schemeClr val="lt1"/>
+          </a:fontRef>
+        </p:style>
+        <p:txBody>
+          <a:bodyPr rot="0" spcFirstLastPara="0" vertOverflow="overflow" horzOverflow="overflow" vert="horz" wrap="none" lIns="0" tIns="0" rIns="0" bIns="0" numCol="1" spcCol="0" rtlCol="0" fromWordArt="0" anchor="ctr" anchorCtr="0" forceAA="0" compatLnSpc="1">
+            <a:prstTxWarp prst="textNoShape">
+              <a:avLst/>
+            </a:prstTxWarp>
+            <a:noAutofit/>
+          </a:bodyPr>
+          <a:lstStyle/>
+          <a:p>
+            <a:pPr algn="ctr"/>
+            <a:r>
+              <a:rPr lang="fr-FR" sz="2400" noProof="1">
+                <a:solidFill>
+                  <a:schemeClr val="tx1"/>
+                </a:solidFill>
+              </a:rPr>
+              <a:t>1.0.0-b-03</a:t>
+            </a:r>
+          </a:p>
+        </p:txBody>
+      </p:sp>
+      <p:sp>
+        <p:nvSpPr>
+          <p:cNvPr id="39" name="Snip Single Corner Rectangle 38"/>
+          <p:cNvSpPr/>
+          <p:nvPr/>
+        </p:nvSpPr>
+        <p:spPr>
+          <a:xfrm>
+            <a:off x="8723175" y="3765690"/>
+            <a:ext cx="1915281" cy="322472"/>
+          </a:xfrm>
+          <a:prstGeom prst="snip1Rect">
+            <a:avLst/>
+          </a:prstGeom>
+          <a:noFill/>
+          <a:ln>
+            <a:solidFill>
+              <a:schemeClr val="tx1"/>
+            </a:solidFill>
+            <a:prstDash val="sysDot"/>
+          </a:ln>
+        </p:spPr>
+        <p:style>
+          <a:lnRef idx="2">
+            <a:schemeClr val="accent1">
+              <a:shade val="50000"/>
+            </a:schemeClr>
+          </a:lnRef>
+          <a:fillRef idx="1">
+            <a:schemeClr val="accent1"/>
+          </a:fillRef>
+          <a:effectRef idx="0">
+            <a:schemeClr val="accent1"/>
+          </a:effectRef>
+          <a:fontRef idx="minor">
+            <a:schemeClr val="lt1"/>
+          </a:fontRef>
+        </p:style>
+        <p:txBody>
+          <a:bodyPr rot="0" spcFirstLastPara="0" vertOverflow="overflow" horzOverflow="overflow" vert="horz" wrap="none" lIns="0" tIns="0" rIns="0" bIns="0" numCol="1" spcCol="0" rtlCol="0" fromWordArt="0" anchor="ctr" anchorCtr="0" forceAA="0" compatLnSpc="1">
+            <a:prstTxWarp prst="textNoShape">
+              <a:avLst/>
+            </a:prstTxWarp>
+            <a:noAutofit/>
+          </a:bodyPr>
+          <a:lstStyle/>
+          <a:p>
+            <a:pPr algn="ctr"/>
+            <a:r>
+              <a:rPr lang="fr-FR" sz="2400" noProof="1">
+                <a:solidFill>
+                  <a:schemeClr val="tx1"/>
+                </a:solidFill>
+              </a:rPr>
+              <a:t>5.0.0-r-04</a:t>
+            </a:r>
+          </a:p>
+        </p:txBody>
+      </p:sp>
+      <p:sp>
+        <p:nvSpPr>
+          <p:cNvPr id="40" name="Rectangle 39"/>
+          <p:cNvSpPr/>
+          <p:nvPr/>
+        </p:nvSpPr>
+        <p:spPr>
+          <a:xfrm>
+            <a:off x="6525806" y="4408605"/>
+            <a:ext cx="4285872" cy="1056277"/>
+          </a:xfrm>
+          <a:prstGeom prst="rect">
+            <a:avLst/>
+          </a:prstGeom>
+          <a:noFill/>
+          <a:ln>
+            <a:solidFill>
+              <a:schemeClr val="tx1"/>
+            </a:solidFill>
+          </a:ln>
+        </p:spPr>
+        <p:style>
+          <a:lnRef idx="2">
+            <a:schemeClr val="accent1">
+              <a:shade val="50000"/>
+            </a:schemeClr>
+          </a:lnRef>
+          <a:fillRef idx="1">
+            <a:schemeClr val="accent1"/>
+          </a:fillRef>
+          <a:effectRef idx="0">
+            <a:schemeClr val="accent1"/>
+          </a:effectRef>
+          <a:fontRef idx="minor">
+            <a:schemeClr val="lt1"/>
+          </a:fontRef>
+        </p:style>
+        <p:txBody>
+          <a:bodyPr rot="0" spcFirstLastPara="0" vertOverflow="overflow" horzOverflow="overflow" vert="horz" wrap="square" lIns="191785" tIns="95891" rIns="191785" bIns="95891" numCol="1" spcCol="0" rtlCol="0" fromWordArt="0" anchor="ctr" anchorCtr="0" forceAA="0" compatLnSpc="1">
+            <a:prstTxWarp prst="textNoShape">
+              <a:avLst/>
+            </a:prstTxWarp>
+            <a:noAutofit/>
+          </a:bodyPr>
+          <a:lstStyle/>
+          <a:p>
+            <a:pPr algn="ctr"/>
+            <a:endParaRPr lang="fr-FR" sz="2400" noProof="1"/>
+          </a:p>
+        </p:txBody>
+      </p:sp>
+      <p:sp>
+        <p:nvSpPr>
+          <p:cNvPr id="41" name="TextBox 40"/>
+          <p:cNvSpPr txBox="1"/>
+          <p:nvPr/>
+        </p:nvSpPr>
+        <p:spPr>
+          <a:xfrm flipH="1">
+            <a:off x="6525805" y="4408605"/>
+            <a:ext cx="4285872" cy="461665"/>
+          </a:xfrm>
+          <a:prstGeom prst="rect">
+            <a:avLst/>
+          </a:prstGeom>
+          <a:gradFill flip="none" rotWithShape="1">
+            <a:gsLst>
+              <a:gs pos="0">
+                <a:schemeClr val="accent1">
+                  <a:lumMod val="5000"/>
+                  <a:lumOff val="95000"/>
+                </a:schemeClr>
+              </a:gs>
+              <a:gs pos="74000">
+                <a:schemeClr val="bg2">
+                  <a:lumMod val="90000"/>
+                </a:schemeClr>
+              </a:gs>
+              <a:gs pos="100000">
+                <a:schemeClr val="bg1">
+                  <a:lumMod val="75000"/>
+                </a:schemeClr>
+              </a:gs>
+            </a:gsLst>
+            <a:lin ang="0" scaled="1"/>
+            <a:tileRect/>
+          </a:gradFill>
+        </p:spPr>
+        <p:txBody>
+          <a:bodyPr wrap="square" rtlCol="0">
+            <a:spAutoFit/>
+          </a:bodyPr>
+          <a:lstStyle/>
+          <a:p>
+            <a:r>
+              <a:rPr lang="fr-FR" sz="2400" i="1" noProof="1"/>
+              <a:t>Patch PreRelease</a:t>
+            </a:r>
+          </a:p>
+        </p:txBody>
+      </p:sp>
+      <p:sp>
+        <p:nvSpPr>
+          <p:cNvPr id="42" name="Snip Single Corner Rectangle 41"/>
+          <p:cNvSpPr/>
+          <p:nvPr/>
+        </p:nvSpPr>
+        <p:spPr>
+          <a:xfrm>
+            <a:off x="6649529" y="4986615"/>
+            <a:ext cx="1915281" cy="322472"/>
+          </a:xfrm>
+          <a:prstGeom prst="snip1Rect">
+            <a:avLst/>
+          </a:prstGeom>
+          <a:noFill/>
+          <a:ln>
+            <a:solidFill>
+              <a:schemeClr val="tx1"/>
+            </a:solidFill>
+            <a:prstDash val="sysDot"/>
+          </a:ln>
+        </p:spPr>
+        <p:style>
+          <a:lnRef idx="2">
+            <a:schemeClr val="accent1">
+              <a:shade val="50000"/>
+            </a:schemeClr>
+          </a:lnRef>
+          <a:fillRef idx="1">
+            <a:schemeClr val="accent1"/>
+          </a:fillRef>
+          <a:effectRef idx="0">
+            <a:schemeClr val="accent1"/>
+          </a:effectRef>
+          <a:fontRef idx="minor">
+            <a:schemeClr val="lt1"/>
+          </a:fontRef>
+        </p:style>
+        <p:txBody>
+          <a:bodyPr rot="0" spcFirstLastPara="0" vertOverflow="overflow" horzOverflow="overflow" vert="horz" wrap="none" lIns="0" tIns="0" rIns="0" bIns="0" numCol="1" spcCol="0" rtlCol="0" fromWordArt="0" anchor="ctr" anchorCtr="0" forceAA="0" compatLnSpc="1">
+            <a:prstTxWarp prst="textNoShape">
+              <a:avLst/>
+            </a:prstTxWarp>
+            <a:noAutofit/>
+          </a:bodyPr>
+          <a:lstStyle/>
+          <a:p>
+            <a:pPr algn="ctr"/>
+            <a:r>
+              <a:rPr lang="fr-FR" sz="2400" noProof="1">
+                <a:solidFill>
+                  <a:schemeClr val="tx1"/>
+                </a:solidFill>
+              </a:rPr>
+              <a:t>1.0.0-b03-01</a:t>
+            </a:r>
+          </a:p>
+        </p:txBody>
+      </p:sp>
+      <p:sp>
+        <p:nvSpPr>
+          <p:cNvPr id="43" name="Snip Single Corner Rectangle 42"/>
+          <p:cNvSpPr/>
+          <p:nvPr/>
+        </p:nvSpPr>
+        <p:spPr>
+          <a:xfrm>
+            <a:off x="8723175" y="4986614"/>
+            <a:ext cx="1915281" cy="322472"/>
+          </a:xfrm>
+          <a:prstGeom prst="snip1Rect">
+            <a:avLst/>
+          </a:prstGeom>
+          <a:noFill/>
+          <a:ln>
+            <a:solidFill>
+              <a:schemeClr val="tx1"/>
+            </a:solidFill>
+            <a:prstDash val="sysDot"/>
+          </a:ln>
+        </p:spPr>
+        <p:style>
+          <a:lnRef idx="2">
+            <a:schemeClr val="accent1">
+              <a:shade val="50000"/>
+            </a:schemeClr>
+          </a:lnRef>
+          <a:fillRef idx="1">
+            <a:schemeClr val="accent1"/>
+          </a:fillRef>
+          <a:effectRef idx="0">
+            <a:schemeClr val="accent1"/>
+          </a:effectRef>
+          <a:fontRef idx="minor">
+            <a:schemeClr val="lt1"/>
+          </a:fontRef>
+        </p:style>
+        <p:txBody>
+          <a:bodyPr rot="0" spcFirstLastPara="0" vertOverflow="overflow" horzOverflow="overflow" vert="horz" wrap="none" lIns="0" tIns="0" rIns="0" bIns="0" numCol="1" spcCol="0" rtlCol="0" fromWordArt="0" anchor="ctr" anchorCtr="0" forceAA="0" compatLnSpc="1">
+            <a:prstTxWarp prst="textNoShape">
+              <a:avLst/>
+            </a:prstTxWarp>
+            <a:noAutofit/>
+          </a:bodyPr>
+          <a:lstStyle/>
+          <a:p>
+            <a:pPr algn="ctr"/>
+            <a:r>
+              <a:rPr lang="fr-FR" sz="2400" noProof="1">
+                <a:solidFill>
+                  <a:schemeClr val="tx1"/>
+                </a:solidFill>
+              </a:rPr>
+              <a:t>5.0.0-r-04-13</a:t>
+            </a:r>
+          </a:p>
+        </p:txBody>
+      </p:sp>
+      <p:sp>
+        <p:nvSpPr>
+          <p:cNvPr id="53" name="Rectangle 52"/>
+          <p:cNvSpPr/>
+          <p:nvPr/>
+        </p:nvSpPr>
+        <p:spPr>
+          <a:xfrm>
+            <a:off x="1300909" y="5842349"/>
+            <a:ext cx="9789207" cy="2518719"/>
+          </a:xfrm>
+          <a:prstGeom prst="rect">
+            <a:avLst/>
+          </a:prstGeom>
+          <a:noFill/>
+          <a:ln>
+            <a:solidFill>
+              <a:schemeClr val="tx1"/>
+            </a:solidFill>
+          </a:ln>
+        </p:spPr>
+        <p:style>
+          <a:lnRef idx="2">
+            <a:schemeClr val="accent1">
+              <a:shade val="50000"/>
+            </a:schemeClr>
+          </a:lnRef>
+          <a:fillRef idx="1">
+            <a:schemeClr val="accent1"/>
+          </a:fillRef>
+          <a:effectRef idx="0">
+            <a:schemeClr val="accent1"/>
+          </a:effectRef>
+          <a:fontRef idx="minor">
+            <a:schemeClr val="lt1"/>
+          </a:fontRef>
+        </p:style>
+        <p:txBody>
+          <a:bodyPr rot="0" spcFirstLastPara="0" vertOverflow="overflow" horzOverflow="overflow" vert="horz" wrap="square" lIns="191785" tIns="95891" rIns="191785" bIns="95891" numCol="1" spcCol="0" rtlCol="0" fromWordArt="0" anchor="ctr" anchorCtr="0" forceAA="0" compatLnSpc="1">
+            <a:prstTxWarp prst="textNoShape">
+              <a:avLst/>
+            </a:prstTxWarp>
+            <a:noAutofit/>
+          </a:bodyPr>
+          <a:lstStyle/>
+          <a:p>
+            <a:pPr algn="ctr"/>
+            <a:endParaRPr lang="fr-FR" sz="2400" noProof="1"/>
+          </a:p>
+        </p:txBody>
+      </p:sp>
+      <p:sp>
+        <p:nvSpPr>
+          <p:cNvPr id="54" name="TextBox 53"/>
+          <p:cNvSpPr txBox="1"/>
+          <p:nvPr/>
+        </p:nvSpPr>
+        <p:spPr>
+          <a:xfrm flipH="1">
+            <a:off x="1300911" y="5842351"/>
+            <a:ext cx="9789204" cy="461665"/>
+          </a:xfrm>
+          <a:prstGeom prst="rect">
+            <a:avLst/>
+          </a:prstGeom>
+          <a:gradFill flip="none" rotWithShape="1">
+            <a:gsLst>
+              <a:gs pos="0">
+                <a:schemeClr val="accent1">
+                  <a:lumMod val="5000"/>
+                  <a:lumOff val="95000"/>
+                </a:schemeClr>
+              </a:gs>
+              <a:gs pos="74000">
+                <a:schemeClr val="bg2">
+                  <a:lumMod val="90000"/>
+                </a:schemeClr>
+              </a:gs>
+              <a:gs pos="100000">
+                <a:schemeClr val="bg1">
+                  <a:lumMod val="75000"/>
+                </a:schemeClr>
+              </a:gs>
+            </a:gsLst>
+            <a:lin ang="0" scaled="1"/>
+            <a:tileRect/>
+          </a:gradFill>
+        </p:spPr>
+        <p:txBody>
+          <a:bodyPr wrap="square" rtlCol="0">
+            <a:spAutoFit/>
+          </a:bodyPr>
+          <a:lstStyle/>
+          <a:p>
+            <a:r>
+              <a:rPr lang="fr-FR" sz="2400" b="1" noProof="1"/>
+              <a:t>CSemVer-CI</a:t>
+            </a:r>
+            <a:r>
+              <a:rPr lang="fr-FR" sz="2400" noProof="1"/>
+              <a:t> (CI Builds also known as « Post Release »)</a:t>
+            </a:r>
+          </a:p>
+        </p:txBody>
+      </p:sp>
+      <p:sp>
+        <p:nvSpPr>
+          <p:cNvPr id="56" name="Snip Single Corner Rectangle 55"/>
+          <p:cNvSpPr/>
+          <p:nvPr/>
+        </p:nvSpPr>
+        <p:spPr>
+          <a:xfrm>
+            <a:off x="11328722" y="2174682"/>
+            <a:ext cx="2371170" cy="345003"/>
+          </a:xfrm>
+          <a:prstGeom prst="snip1Rect">
+            <a:avLst/>
+          </a:prstGeom>
+          <a:noFill/>
+          <a:ln>
+            <a:solidFill>
+              <a:schemeClr val="tx1"/>
+            </a:solidFill>
+            <a:prstDash val="sysDot"/>
+          </a:ln>
+        </p:spPr>
+        <p:style>
+          <a:lnRef idx="2">
+            <a:schemeClr val="accent1">
+              <a:shade val="50000"/>
+            </a:schemeClr>
+          </a:lnRef>
+          <a:fillRef idx="1">
+            <a:schemeClr val="accent1"/>
+          </a:fillRef>
+          <a:effectRef idx="0">
+            <a:schemeClr val="accent1"/>
+          </a:effectRef>
+          <a:fontRef idx="minor">
+            <a:schemeClr val="lt1"/>
+          </a:fontRef>
+        </p:style>
+        <p:txBody>
+          <a:bodyPr rot="0" spcFirstLastPara="0" vertOverflow="overflow" horzOverflow="overflow" vert="horz" wrap="none" lIns="0" tIns="0" rIns="0" bIns="0" numCol="1" spcCol="0" rtlCol="0" fromWordArt="0" anchor="ctr" anchorCtr="0" forceAA="0" compatLnSpc="1">
+            <a:prstTxWarp prst="textNoShape">
+              <a:avLst/>
+            </a:prstTxWarp>
+            <a:noAutofit/>
+          </a:bodyPr>
+          <a:lstStyle/>
+          <a:p>
+            <a:pPr algn="ctr"/>
+            <a:r>
+              <a:rPr lang="fr-FR" sz="2400" noProof="1">
+                <a:solidFill>
+                  <a:schemeClr val="tx1"/>
+                </a:solidFill>
+              </a:rPr>
+              <a:t>3.2.0-updatefinal</a:t>
+            </a:r>
+          </a:p>
+        </p:txBody>
+      </p:sp>
+      <p:sp>
+        <p:nvSpPr>
+          <p:cNvPr id="59" name="TextBox 58"/>
+          <p:cNvSpPr txBox="1"/>
+          <p:nvPr/>
+        </p:nvSpPr>
+        <p:spPr>
+          <a:xfrm flipH="1">
+            <a:off x="1308436" y="6207337"/>
+            <a:ext cx="9775587" cy="461665"/>
+          </a:xfrm>
+          <a:prstGeom prst="rect">
+            <a:avLst/>
+          </a:prstGeom>
+          <a:gradFill flip="none" rotWithShape="1">
+            <a:gsLst>
+              <a:gs pos="0">
+                <a:schemeClr val="accent1">
+                  <a:lumMod val="5000"/>
+                  <a:lumOff val="95000"/>
+                </a:schemeClr>
+              </a:gs>
+              <a:gs pos="74000">
+                <a:schemeClr val="bg2">
+                  <a:lumMod val="90000"/>
+                </a:schemeClr>
+              </a:gs>
+              <a:gs pos="100000">
+                <a:schemeClr val="bg1">
+                  <a:lumMod val="75000"/>
+                </a:schemeClr>
+              </a:gs>
+            </a:gsLst>
+            <a:lin ang="0" scaled="1"/>
+            <a:tileRect/>
+          </a:gradFill>
+        </p:spPr>
+        <p:txBody>
+          <a:bodyPr wrap="square" rtlCol="0">
+            <a:spAutoFit/>
+          </a:bodyPr>
+          <a:lstStyle/>
+          <a:p>
+            <a:r>
+              <a:rPr lang="fr-FR" sz="2400" i="1" noProof="1"/>
+              <a:t>Last Release Based</a:t>
+            </a:r>
+          </a:p>
+        </p:txBody>
+      </p:sp>
+      <p:sp>
+        <p:nvSpPr>
+          <p:cNvPr id="60" name="Snip Single Corner Rectangle 59"/>
+          <p:cNvSpPr/>
+          <p:nvPr/>
+        </p:nvSpPr>
+        <p:spPr>
+          <a:xfrm>
+            <a:off x="1583498" y="6803612"/>
+            <a:ext cx="4374624" cy="322471"/>
+          </a:xfrm>
+          <a:prstGeom prst="snip1Rect">
+            <a:avLst/>
+          </a:prstGeom>
+          <a:noFill/>
+          <a:ln>
+            <a:solidFill>
+              <a:schemeClr val="tx1"/>
+            </a:solidFill>
+            <a:prstDash val="sysDot"/>
+          </a:ln>
+        </p:spPr>
+        <p:style>
+          <a:lnRef idx="2">
+            <a:schemeClr val="accent1">
+              <a:shade val="50000"/>
+            </a:schemeClr>
+          </a:lnRef>
+          <a:fillRef idx="1">
+            <a:schemeClr val="accent1"/>
+          </a:fillRef>
+          <a:effectRef idx="0">
+            <a:schemeClr val="accent1"/>
+          </a:effectRef>
+          <a:fontRef idx="minor">
+            <a:schemeClr val="lt1"/>
+          </a:fontRef>
+        </p:style>
+        <p:txBody>
+          <a:bodyPr rot="0" spcFirstLastPara="0" vertOverflow="overflow" horzOverflow="overflow" vert="horz" wrap="none" lIns="0" tIns="0" rIns="0" bIns="0" numCol="1" spcCol="0" rtlCol="0" fromWordArt="0" anchor="ctr" anchorCtr="0" forceAA="0" compatLnSpc="1">
+            <a:prstTxWarp prst="textNoShape">
+              <a:avLst/>
+            </a:prstTxWarp>
+            <a:noAutofit/>
+          </a:bodyPr>
+          <a:lstStyle/>
+          <a:p>
+            <a:pPr algn="ctr"/>
+            <a:r>
+              <a:rPr lang="fr-FR" sz="2400" noProof="1">
+                <a:solidFill>
+                  <a:schemeClr val="tx1"/>
+                </a:solidFill>
+              </a:rPr>
+              <a:t>5.4.2--0015-develop</a:t>
+            </a:r>
+          </a:p>
+        </p:txBody>
+      </p:sp>
+      <p:sp>
+        <p:nvSpPr>
+          <p:cNvPr id="61" name="Snip Single Corner Rectangle 60"/>
+          <p:cNvSpPr/>
+          <p:nvPr/>
+        </p:nvSpPr>
+        <p:spPr>
+          <a:xfrm>
+            <a:off x="6319838" y="6803611"/>
+            <a:ext cx="4374624" cy="322471"/>
+          </a:xfrm>
+          <a:prstGeom prst="snip1Rect">
+            <a:avLst/>
+          </a:prstGeom>
+          <a:noFill/>
+          <a:ln>
+            <a:solidFill>
+              <a:schemeClr val="tx1"/>
+            </a:solidFill>
+            <a:prstDash val="sysDot"/>
+          </a:ln>
+        </p:spPr>
+        <p:style>
+          <a:lnRef idx="2">
+            <a:schemeClr val="accent1">
+              <a:shade val="50000"/>
+            </a:schemeClr>
+          </a:lnRef>
+          <a:fillRef idx="1">
+            <a:schemeClr val="accent1"/>
+          </a:fillRef>
+          <a:effectRef idx="0">
+            <a:schemeClr val="accent1"/>
+          </a:effectRef>
+          <a:fontRef idx="minor">
+            <a:schemeClr val="lt1"/>
+          </a:fontRef>
+        </p:style>
+        <p:txBody>
+          <a:bodyPr rot="0" spcFirstLastPara="0" vertOverflow="overflow" horzOverflow="overflow" vert="horz" wrap="none" lIns="0" tIns="0" rIns="0" bIns="0" numCol="1" spcCol="0" rtlCol="0" fromWordArt="0" anchor="ctr" anchorCtr="0" forceAA="0" compatLnSpc="1">
+            <a:prstTxWarp prst="textNoShape">
+              <a:avLst/>
+            </a:prstTxWarp>
+            <a:noAutofit/>
+          </a:bodyPr>
+          <a:lstStyle/>
+          <a:p>
+            <a:pPr algn="ctr"/>
+            <a:r>
+              <a:rPr lang="fr-FR" sz="2400" noProof="1">
+                <a:solidFill>
+                  <a:schemeClr val="tx1"/>
+                </a:solidFill>
+              </a:rPr>
+              <a:t>1.0.0-a-00-00-0003-develop</a:t>
+            </a:r>
+          </a:p>
+        </p:txBody>
+      </p:sp>
+      <p:sp>
+        <p:nvSpPr>
+          <p:cNvPr id="64" name="TextBox 63"/>
+          <p:cNvSpPr txBox="1"/>
+          <p:nvPr/>
+        </p:nvSpPr>
+        <p:spPr>
+          <a:xfrm flipH="1">
+            <a:off x="1308436" y="7304716"/>
+            <a:ext cx="9771782" cy="461665"/>
+          </a:xfrm>
+          <a:prstGeom prst="rect">
+            <a:avLst/>
+          </a:prstGeom>
+          <a:gradFill flip="none" rotWithShape="1">
+            <a:gsLst>
+              <a:gs pos="0">
+                <a:schemeClr val="accent1">
+                  <a:lumMod val="5000"/>
+                  <a:lumOff val="95000"/>
+                </a:schemeClr>
+              </a:gs>
+              <a:gs pos="74000">
+                <a:schemeClr val="bg2">
+                  <a:lumMod val="90000"/>
+                </a:schemeClr>
+              </a:gs>
+              <a:gs pos="100000">
+                <a:schemeClr val="bg1">
+                  <a:lumMod val="75000"/>
+                </a:schemeClr>
+              </a:gs>
+            </a:gsLst>
+            <a:lin ang="0" scaled="1"/>
+            <a:tileRect/>
+          </a:gradFill>
+        </p:spPr>
+        <p:txBody>
+          <a:bodyPr wrap="square" rtlCol="0">
+            <a:spAutoFit/>
+          </a:bodyPr>
+          <a:lstStyle/>
+          <a:p>
+            <a:r>
+              <a:rPr lang="fr-FR" sz="2400" i="1" noProof="1"/>
+              <a:t>Zero Based</a:t>
+            </a:r>
+          </a:p>
+        </p:txBody>
+      </p:sp>
+      <p:sp>
+        <p:nvSpPr>
+          <p:cNvPr id="65" name="Snip Single Corner Rectangle 64"/>
+          <p:cNvSpPr/>
+          <p:nvPr/>
+        </p:nvSpPr>
+        <p:spPr>
+          <a:xfrm>
+            <a:off x="1583498" y="7882725"/>
+            <a:ext cx="4374624" cy="322471"/>
+          </a:xfrm>
+          <a:prstGeom prst="snip1Rect">
+            <a:avLst/>
+          </a:prstGeom>
+          <a:noFill/>
+          <a:ln>
+            <a:solidFill>
+              <a:schemeClr val="tx1"/>
+            </a:solidFill>
+            <a:prstDash val="sysDot"/>
+          </a:ln>
+        </p:spPr>
+        <p:style>
+          <a:lnRef idx="2">
+            <a:schemeClr val="accent1">
+              <a:shade val="50000"/>
+            </a:schemeClr>
+          </a:lnRef>
+          <a:fillRef idx="1">
+            <a:schemeClr val="accent1"/>
+          </a:fillRef>
+          <a:effectRef idx="0">
+            <a:schemeClr val="accent1"/>
+          </a:effectRef>
+          <a:fontRef idx="minor">
+            <a:schemeClr val="lt1"/>
+          </a:fontRef>
+        </p:style>
+        <p:txBody>
+          <a:bodyPr rot="0" spcFirstLastPara="0" vertOverflow="overflow" horzOverflow="overflow" vert="horz" wrap="none" lIns="0" tIns="0" rIns="0" bIns="0" numCol="1" spcCol="0" rtlCol="0" fromWordArt="0" anchor="ctr" anchorCtr="0" forceAA="0" compatLnSpc="1">
+            <a:prstTxWarp prst="textNoShape">
+              <a:avLst/>
+            </a:prstTxWarp>
+            <a:noAutofit/>
+          </a:bodyPr>
+          <a:lstStyle/>
+          <a:p>
+            <a:pPr algn="ctr"/>
+            <a:r>
+              <a:rPr lang="fr-FR" sz="2400" noProof="1">
+                <a:solidFill>
+                  <a:schemeClr val="tx1"/>
+                </a:solidFill>
+              </a:rPr>
+              <a:t>0.0.0--0000175-explore</a:t>
+            </a:r>
+          </a:p>
+        </p:txBody>
+      </p:sp>
+      <p:sp>
+        <p:nvSpPr>
+          <p:cNvPr id="66" name="Snip Single Corner Rectangle 65"/>
+          <p:cNvSpPr/>
+          <p:nvPr/>
+        </p:nvSpPr>
+        <p:spPr>
+          <a:xfrm>
+            <a:off x="6319838" y="7882724"/>
+            <a:ext cx="4374625" cy="322471"/>
+          </a:xfrm>
+          <a:prstGeom prst="snip1Rect">
+            <a:avLst/>
+          </a:prstGeom>
+          <a:noFill/>
+          <a:ln>
+            <a:solidFill>
+              <a:schemeClr val="tx1"/>
+            </a:solidFill>
+            <a:prstDash val="sysDot"/>
+          </a:ln>
+        </p:spPr>
+        <p:style>
+          <a:lnRef idx="2">
+            <a:schemeClr val="accent1">
+              <a:shade val="50000"/>
+            </a:schemeClr>
+          </a:lnRef>
+          <a:fillRef idx="1">
+            <a:schemeClr val="accent1"/>
+          </a:fillRef>
+          <a:effectRef idx="0">
+            <a:schemeClr val="accent1"/>
+          </a:effectRef>
+          <a:fontRef idx="minor">
+            <a:schemeClr val="lt1"/>
+          </a:fontRef>
+        </p:style>
+        <p:txBody>
+          <a:bodyPr rot="0" spcFirstLastPara="0" vertOverflow="overflow" horzOverflow="overflow" vert="horz" wrap="none" lIns="0" tIns="0" rIns="0" bIns="0" numCol="1" spcCol="0" rtlCol="0" fromWordArt="0" anchor="ctr" anchorCtr="0" forceAA="0" compatLnSpc="1">
+            <a:prstTxWarp prst="textNoShape">
+              <a:avLst/>
+            </a:prstTxWarp>
+            <a:noAutofit/>
+          </a:bodyPr>
+          <a:lstStyle/>
+          <a:p>
+            <a:pPr algn="ctr"/>
+            <a:r>
+              <a:rPr lang="fr-FR" sz="2400" noProof="1">
+                <a:solidFill>
+                  <a:schemeClr val="tx1"/>
+                </a:solidFill>
+              </a:rPr>
+              <a:t>0.0.0--00185fx-alpha+v2.0.0</a:t>
+            </a:r>
+          </a:p>
+        </p:txBody>
+      </p:sp>
+    </p:spTree>
+    <p:extLst>
+      <p:ext uri="{BB962C8B-B14F-4D97-AF65-F5344CB8AC3E}">
+        <p14:creationId xmlns:p14="http://schemas.microsoft.com/office/powerpoint/2010/main" val="2999965172"/>
       </p:ext>
     </p:extLst>
   </p:cSld>
